--- a/2-DataScience/3-simpleModelApplication/efl_DataScience_Decision Trees.pptx
+++ b/2-DataScience/3-simpleModelApplication/efl_DataScience_Decision Trees.pptx
@@ -341,7 +341,7 @@
           <a:p>
             <a:fld id="{EF29E003-2B2A-4318-A245-D8A5FC65C315}" type="datetimeFigureOut">
               <a:rPr lang="en-US" smtClean="0"/>
-              <a:t>10/8/2020</a:t>
+              <a:t>12/1/2021</a:t>
             </a:fld>
             <a:endParaRPr lang="en-US"/>
           </a:p>
@@ -519,7 +519,7 @@
           <a:p>
             <a:fld id="{74429039-8DF4-481F-80BC-75E2FE338923}" type="datetimeFigureOut">
               <a:rPr lang="en-US" smtClean="0"/>
-              <a:t>10/8/2020</a:t>
+              <a:t>12/1/2021</a:t>
             </a:fld>
             <a:endParaRPr lang="en-US"/>
           </a:p>
@@ -1935,7 +1935,7 @@
           <a:p>
             <a:r>
               <a:rPr lang="en-US"/>
-              <a:t>09.10.2020</a:t>
+              <a:t>22.12.2021</a:t>
             </a:r>
             <a:endParaRPr lang="en-US" dirty="0"/>
           </a:p>
@@ -2164,7 +2164,7 @@
           <a:p>
             <a:r>
               <a:rPr lang="en-US"/>
-              <a:t>09.10.2020</a:t>
+              <a:t>22.12.2021</a:t>
             </a:r>
           </a:p>
         </p:txBody>
@@ -2417,7 +2417,7 @@
           <a:p>
             <a:r>
               <a:rPr lang="en-US"/>
-              <a:t>09.10.2020</a:t>
+              <a:t>22.12.2021</a:t>
             </a:r>
           </a:p>
         </p:txBody>
@@ -2695,7 +2695,7 @@
           <a:p>
             <a:r>
               <a:rPr lang="en-US"/>
-              <a:t>09.10.2020</a:t>
+              <a:t>22.12.2021</a:t>
             </a:r>
             <a:endParaRPr lang="en-US" dirty="0"/>
           </a:p>
@@ -3202,7 +3202,7 @@
           <a:p>
             <a:r>
               <a:rPr lang="de-DE" dirty="0"/>
-              <a:t>Jens Lausen</a:t>
+              <a:t>Dr. Jens Lausen</a:t>
             </a:r>
             <a:endParaRPr lang="en-US" dirty="0"/>
           </a:p>
@@ -3231,7 +3231,7 @@
           <a:p>
             <a:r>
               <a:rPr lang="en-US"/>
-              <a:t>09.10.2020</a:t>
+              <a:t>22.12.2021</a:t>
             </a:r>
             <a:endParaRPr lang="en-US" dirty="0"/>
           </a:p>
@@ -3941,7 +3941,7 @@
           <a:p>
             <a:r>
               <a:rPr lang="en-US"/>
-              <a:t>09.10.2020</a:t>
+              <a:t>22.12.2021</a:t>
             </a:r>
             <a:endParaRPr lang="en-US" dirty="0"/>
           </a:p>
@@ -4306,7 +4306,7 @@
           <a:p>
             <a:r>
               <a:rPr lang="en-US"/>
-              <a:t>09.10.2020</a:t>
+              <a:t>22.12.2021</a:t>
             </a:r>
             <a:endParaRPr lang="en-US" dirty="0"/>
           </a:p>
@@ -4626,7 +4626,7 @@
           <a:p>
             <a:r>
               <a:rPr lang="en-US"/>
-              <a:t>09.10.2020</a:t>
+              <a:t>22.12.2021</a:t>
             </a:r>
           </a:p>
         </p:txBody>
@@ -5349,7 +5349,7 @@
           <a:p>
             <a:r>
               <a:rPr lang="en-US"/>
-              <a:t>09.10.2020</a:t>
+              <a:t>22.12.2021</a:t>
             </a:r>
           </a:p>
         </p:txBody>
@@ -6677,7 +6677,7 @@
           <a:p>
             <a:r>
               <a:rPr lang="en-US"/>
-              <a:t>09.10.2020</a:t>
+              <a:t>22.12.2021</a:t>
             </a:r>
           </a:p>
         </p:txBody>
@@ -8627,7 +8627,7 @@
           <a:p>
             <a:r>
               <a:rPr lang="en-US"/>
-              <a:t>09.10.2020</a:t>
+              <a:t>22.12.2021</a:t>
             </a:r>
           </a:p>
         </p:txBody>
@@ -8855,8 +8855,8 @@
           </a:prstGeom>
         </p:spPr>
       </p:pic>
-      <mc:AlternateContent xmlns:mc="http://schemas.openxmlformats.org/markup-compatibility/2006">
-        <mc:Choice xmlns:a14="http://schemas.microsoft.com/office/drawing/2010/main" Requires="a14">
+      <mc:AlternateContent xmlns:mc="http://schemas.openxmlformats.org/markup-compatibility/2006" xmlns:a14="http://schemas.microsoft.com/office/drawing/2010/main">
+        <mc:Choice Requires="a14">
           <p:sp>
             <p:nvSpPr>
               <p:cNvPr id="11" name="TextBox 10">
@@ -10403,7 +10403,7 @@
             </p:txBody>
           </p:sp>
         </mc:Choice>
-        <mc:Fallback>
+        <mc:Fallback xmlns="">
           <p:sp>
             <p:nvSpPr>
               <p:cNvPr id="11" name="TextBox 10">
@@ -10936,7 +10936,7 @@
           <a:p>
             <a:r>
               <a:rPr lang="en-US"/>
-              <a:t>09.10.2020</a:t>
+              <a:t>22.12.2021</a:t>
             </a:r>
           </a:p>
         </p:txBody>
@@ -11439,7 +11439,7 @@
           <a:p>
             <a:r>
               <a:rPr lang="en-US"/>
-              <a:t>09.10.2020</a:t>
+              <a:t>22.12.2021</a:t>
             </a:r>
           </a:p>
         </p:txBody>
@@ -13066,7 +13066,7 @@
           <a:p>
             <a:r>
               <a:rPr lang="en-US"/>
-              <a:t>09.10.2020</a:t>
+              <a:t>22.12.2021</a:t>
             </a:r>
           </a:p>
         </p:txBody>
@@ -15135,7 +15135,7 @@
           <a:p>
             <a:r>
               <a:rPr lang="en-US"/>
-              <a:t>09.10.2020</a:t>
+              <a:t>22.12.2021</a:t>
             </a:r>
           </a:p>
         </p:txBody>
@@ -19521,7 +19521,7 @@
           <a:p>
             <a:r>
               <a:rPr lang="en-US"/>
-              <a:t>09.10.2020</a:t>
+              <a:t>22.12.2021</a:t>
             </a:r>
             <a:endParaRPr lang="en-US" dirty="0"/>
           </a:p>
@@ -19696,7 +19696,7 @@
           <a:p>
             <a:r>
               <a:rPr lang="en-US"/>
-              <a:t>09.10.2020</a:t>
+              <a:t>22.12.2021</a:t>
             </a:r>
           </a:p>
         </p:txBody>
@@ -20293,7 +20293,7 @@
           <a:p>
             <a:r>
               <a:rPr lang="en-US"/>
-              <a:t>09.10.2020</a:t>
+              <a:t>22.12.2021</a:t>
             </a:r>
           </a:p>
         </p:txBody>
@@ -21824,7 +21824,7 @@
           <a:p>
             <a:r>
               <a:rPr lang="en-US"/>
-              <a:t>09.10.2020</a:t>
+              <a:t>22.12.2021</a:t>
             </a:r>
           </a:p>
         </p:txBody>
@@ -22654,7 +22654,7 @@
           <a:p>
             <a:r>
               <a:rPr lang="en-US"/>
-              <a:t>09.10.2020</a:t>
+              <a:t>22.12.2021</a:t>
             </a:r>
           </a:p>
         </p:txBody>
@@ -22878,7 +22878,7 @@
           <a:p>
             <a:r>
               <a:rPr lang="en-US"/>
-              <a:t>09.10.2020</a:t>
+              <a:t>22.12.2021</a:t>
             </a:r>
           </a:p>
         </p:txBody>
@@ -24865,7 +24865,7 @@
           <a:p>
             <a:r>
               <a:rPr lang="en-US"/>
-              <a:t>09.10.2020</a:t>
+              <a:t>22.12.2021</a:t>
             </a:r>
           </a:p>
         </p:txBody>
@@ -27441,7 +27441,7 @@
           <a:p>
             <a:r>
               <a:rPr lang="en-US"/>
-              <a:t>09.10.2020</a:t>
+              <a:t>22.12.2021</a:t>
             </a:r>
           </a:p>
         </p:txBody>
@@ -28971,7 +28971,7 @@
           <a:p>
             <a:r>
               <a:rPr lang="en-US"/>
-              <a:t>09.10.2020</a:t>
+              <a:t>22.12.2021</a:t>
             </a:r>
           </a:p>
         </p:txBody>
@@ -29640,7 +29640,7 @@
           <a:p>
             <a:r>
               <a:rPr lang="en-US"/>
-              <a:t>09.10.2020</a:t>
+              <a:t>22.12.2021</a:t>
             </a:r>
           </a:p>
         </p:txBody>
@@ -30074,7 +30074,7 @@
           <a:p>
             <a:r>
               <a:rPr lang="en-US"/>
-              <a:t>09.10.2020</a:t>
+              <a:t>22.12.2021</a:t>
             </a:r>
           </a:p>
         </p:txBody>
@@ -30901,7 +30901,7 @@
           <a:p>
             <a:r>
               <a:rPr lang="en-US"/>
-              <a:t>09.10.2020</a:t>
+              <a:t>22.12.2021</a:t>
             </a:r>
             <a:endParaRPr lang="en-US" dirty="0"/>
           </a:p>
@@ -32620,7 +32620,7 @@
           <a:p>
             <a:r>
               <a:rPr lang="en-US"/>
-              <a:t>09.10.2020</a:t>
+              <a:t>22.12.2021</a:t>
             </a:r>
             <a:endParaRPr lang="en-US" dirty="0"/>
           </a:p>
@@ -33171,7 +33171,7 @@
           <a:p>
             <a:r>
               <a:rPr lang="en-US"/>
-              <a:t>09.10.2020</a:t>
+              <a:t>22.12.2021</a:t>
             </a:r>
           </a:p>
         </p:txBody>
@@ -34611,7 +34611,7 @@
           <a:p>
             <a:r>
               <a:rPr lang="en-US"/>
-              <a:t>09.10.2020</a:t>
+              <a:t>22.12.2021</a:t>
             </a:r>
           </a:p>
         </p:txBody>
@@ -36287,7 +36287,7 @@
           <a:p>
             <a:r>
               <a:rPr lang="en-US"/>
-              <a:t>09.10.2020</a:t>
+              <a:t>22.12.2021</a:t>
             </a:r>
           </a:p>
         </p:txBody>
@@ -37210,7 +37210,7 @@
           <a:p>
             <a:r>
               <a:rPr lang="en-US"/>
-              <a:t>09.10.2020</a:t>
+              <a:t>22.12.2021</a:t>
             </a:r>
           </a:p>
         </p:txBody>
